--- a/2. Node JS Fundamental/Presentation Slides/1.pptx
+++ b/2. Node JS Fundamental/Presentation Slides/1.pptx
@@ -111,6 +111,22 @@
       </a:defRPr>
     </a:lvl9pPr>
   </p:defaultTextStyle>
+  <p:extLst>
+    <p:ext uri="{EFAFB233-063F-42B5-8137-9DF3F51BA10A}">
+      <p15:sldGuideLst xmlns:p15="http://schemas.microsoft.com/office/powerpoint/2012/main">
+        <p15:guide id="1" orient="horz" pos="1620">
+          <p15:clr>
+            <a:srgbClr val="A4A3A4"/>
+          </p15:clr>
+        </p15:guide>
+        <p15:guide id="2" pos="2880">
+          <p15:clr>
+            <a:srgbClr val="A4A3A4"/>
+          </p15:clr>
+        </p15:guide>
+      </p15:sldGuideLst>
+    </p:ext>
+  </p:extLst>
 </p:presentation>
 </file>
 
@@ -296,7 +312,7 @@
             <a:fld id="{1D8BD707-D9CF-40AE-B4C6-C98DA3205C09}" type="datetimeFigureOut">
               <a:rPr lang="en-US" smtClean="0"/>
               <a:pPr/>
-              <a:t>7/3/2020</a:t>
+              <a:t>9/9/2022</a:t>
             </a:fld>
             <a:endParaRPr lang="en-US"/>
           </a:p>
@@ -463,7 +479,7 @@
             <a:fld id="{1D8BD707-D9CF-40AE-B4C6-C98DA3205C09}" type="datetimeFigureOut">
               <a:rPr lang="en-US" smtClean="0"/>
               <a:pPr/>
-              <a:t>7/3/2020</a:t>
+              <a:t>9/9/2022</a:t>
             </a:fld>
             <a:endParaRPr lang="en-US"/>
           </a:p>
@@ -640,7 +656,7 @@
             <a:fld id="{1D8BD707-D9CF-40AE-B4C6-C98DA3205C09}" type="datetimeFigureOut">
               <a:rPr lang="en-US" smtClean="0"/>
               <a:pPr/>
-              <a:t>7/3/2020</a:t>
+              <a:t>9/9/2022</a:t>
             </a:fld>
             <a:endParaRPr lang="en-US"/>
           </a:p>
@@ -807,7 +823,7 @@
             <a:fld id="{1D8BD707-D9CF-40AE-B4C6-C98DA3205C09}" type="datetimeFigureOut">
               <a:rPr lang="en-US" smtClean="0"/>
               <a:pPr/>
-              <a:t>7/3/2020</a:t>
+              <a:t>9/9/2022</a:t>
             </a:fld>
             <a:endParaRPr lang="en-US"/>
           </a:p>
@@ -1050,7 +1066,7 @@
             <a:fld id="{1D8BD707-D9CF-40AE-B4C6-C98DA3205C09}" type="datetimeFigureOut">
               <a:rPr lang="en-US" smtClean="0"/>
               <a:pPr/>
-              <a:t>7/3/2020</a:t>
+              <a:t>9/9/2022</a:t>
             </a:fld>
             <a:endParaRPr lang="en-US"/>
           </a:p>
@@ -1335,7 +1351,7 @@
             <a:fld id="{1D8BD707-D9CF-40AE-B4C6-C98DA3205C09}" type="datetimeFigureOut">
               <a:rPr lang="en-US" smtClean="0"/>
               <a:pPr/>
-              <a:t>7/3/2020</a:t>
+              <a:t>9/9/2022</a:t>
             </a:fld>
             <a:endParaRPr lang="en-US"/>
           </a:p>
@@ -1754,7 +1770,7 @@
             <a:fld id="{1D8BD707-D9CF-40AE-B4C6-C98DA3205C09}" type="datetimeFigureOut">
               <a:rPr lang="en-US" smtClean="0"/>
               <a:pPr/>
-              <a:t>7/3/2020</a:t>
+              <a:t>9/9/2022</a:t>
             </a:fld>
             <a:endParaRPr lang="en-US"/>
           </a:p>
@@ -1869,7 +1885,7 @@
             <a:fld id="{1D8BD707-D9CF-40AE-B4C6-C98DA3205C09}" type="datetimeFigureOut">
               <a:rPr lang="en-US" smtClean="0"/>
               <a:pPr/>
-              <a:t>7/3/2020</a:t>
+              <a:t>9/9/2022</a:t>
             </a:fld>
             <a:endParaRPr lang="en-US"/>
           </a:p>
@@ -1961,7 +1977,7 @@
             <a:fld id="{1D8BD707-D9CF-40AE-B4C6-C98DA3205C09}" type="datetimeFigureOut">
               <a:rPr lang="en-US" smtClean="0"/>
               <a:pPr/>
-              <a:t>7/3/2020</a:t>
+              <a:t>9/9/2022</a:t>
             </a:fld>
             <a:endParaRPr lang="en-US"/>
           </a:p>
@@ -2235,7 +2251,7 @@
             <a:fld id="{1D8BD707-D9CF-40AE-B4C6-C98DA3205C09}" type="datetimeFigureOut">
               <a:rPr lang="en-US" smtClean="0"/>
               <a:pPr/>
-              <a:t>7/3/2020</a:t>
+              <a:t>9/9/2022</a:t>
             </a:fld>
             <a:endParaRPr lang="en-US"/>
           </a:p>
@@ -2485,7 +2501,7 @@
             <a:fld id="{1D8BD707-D9CF-40AE-B4C6-C98DA3205C09}" type="datetimeFigureOut">
               <a:rPr lang="en-US" smtClean="0"/>
               <a:pPr/>
-              <a:t>7/3/2020</a:t>
+              <a:t>9/9/2022</a:t>
             </a:fld>
             <a:endParaRPr lang="en-US"/>
           </a:p>
@@ -2704,7 +2720,7 @@
             <a:fld id="{1D8BD707-D9CF-40AE-B4C6-C98DA3205C09}" type="datetimeFigureOut">
               <a:rPr lang="en-US" smtClean="0"/>
               <a:pPr/>
-              <a:t>7/3/2020</a:t>
+              <a:t>9/9/2022</a:t>
             </a:fld>
             <a:endParaRPr lang="en-US"/>
           </a:p>
